--- a/5. DevOps/Day 39-40/Slides/2. Exploring the Kubernetes Architecture/exploring-the-kubernetes-architecture-slides.pptx
+++ b/5. DevOps/Day 39-40/Slides/2. Exploring the Kubernetes Architecture/exploring-the-kubernetes-architecture-slides.pptx
@@ -5,41 +5,41 @@
     <p:sldMasterId id="2147483648" r:id="rId1"/>
   </p:sldMasterIdLst>
   <p:notesMasterIdLst>
-    <p:notesMasterId r:id="rId35"/>
+    <p:notesMasterId r:id="rId34"/>
   </p:notesMasterIdLst>
   <p:sldIdLst>
-    <p:sldId id="256" r:id="rId3"/>
-    <p:sldId id="257" r:id="rId4"/>
-    <p:sldId id="258" r:id="rId5"/>
-    <p:sldId id="259" r:id="rId6"/>
-    <p:sldId id="260" r:id="rId7"/>
-    <p:sldId id="261" r:id="rId8"/>
-    <p:sldId id="262" r:id="rId9"/>
-    <p:sldId id="263" r:id="rId10"/>
-    <p:sldId id="264" r:id="rId11"/>
-    <p:sldId id="265" r:id="rId12"/>
-    <p:sldId id="266" r:id="rId13"/>
-    <p:sldId id="267" r:id="rId14"/>
-    <p:sldId id="268" r:id="rId15"/>
-    <p:sldId id="269" r:id="rId16"/>
-    <p:sldId id="270" r:id="rId17"/>
-    <p:sldId id="271" r:id="rId18"/>
-    <p:sldId id="272" r:id="rId19"/>
-    <p:sldId id="273" r:id="rId20"/>
-    <p:sldId id="274" r:id="rId21"/>
-    <p:sldId id="275" r:id="rId22"/>
-    <p:sldId id="276" r:id="rId23"/>
-    <p:sldId id="277" r:id="rId24"/>
-    <p:sldId id="278" r:id="rId25"/>
-    <p:sldId id="279" r:id="rId26"/>
-    <p:sldId id="280" r:id="rId27"/>
-    <p:sldId id="281" r:id="rId28"/>
-    <p:sldId id="282" r:id="rId29"/>
-    <p:sldId id="283" r:id="rId30"/>
-    <p:sldId id="284" r:id="rId31"/>
-    <p:sldId id="285" r:id="rId32"/>
-    <p:sldId id="286" r:id="rId33"/>
-    <p:sldId id="287" r:id="rId34"/>
+    <p:sldId id="256" r:id="rId2"/>
+    <p:sldId id="257" r:id="rId3"/>
+    <p:sldId id="258" r:id="rId4"/>
+    <p:sldId id="259" r:id="rId5"/>
+    <p:sldId id="260" r:id="rId6"/>
+    <p:sldId id="261" r:id="rId7"/>
+    <p:sldId id="262" r:id="rId8"/>
+    <p:sldId id="263" r:id="rId9"/>
+    <p:sldId id="264" r:id="rId10"/>
+    <p:sldId id="265" r:id="rId11"/>
+    <p:sldId id="266" r:id="rId12"/>
+    <p:sldId id="267" r:id="rId13"/>
+    <p:sldId id="268" r:id="rId14"/>
+    <p:sldId id="269" r:id="rId15"/>
+    <p:sldId id="270" r:id="rId16"/>
+    <p:sldId id="271" r:id="rId17"/>
+    <p:sldId id="272" r:id="rId18"/>
+    <p:sldId id="273" r:id="rId19"/>
+    <p:sldId id="274" r:id="rId20"/>
+    <p:sldId id="275" r:id="rId21"/>
+    <p:sldId id="276" r:id="rId22"/>
+    <p:sldId id="277" r:id="rId23"/>
+    <p:sldId id="278" r:id="rId24"/>
+    <p:sldId id="279" r:id="rId25"/>
+    <p:sldId id="280" r:id="rId26"/>
+    <p:sldId id="281" r:id="rId27"/>
+    <p:sldId id="282" r:id="rId28"/>
+    <p:sldId id="283" r:id="rId29"/>
+    <p:sldId id="284" r:id="rId30"/>
+    <p:sldId id="285" r:id="rId31"/>
+    <p:sldId id="286" r:id="rId32"/>
+    <p:sldId id="287" r:id="rId33"/>
   </p:sldIdLst>
   <p:sldSz cx="16256000" cy="9144000"/>
   <p:notesSz cx="16256000" cy="9144000"/>
@@ -135,6 +135,22 @@
       </a:defRPr>
     </a:lvl9pPr>
   </p:defaultTextStyle>
+  <p:extLst>
+    <p:ext uri="{EFAFB233-063F-42B5-8137-9DF3F51BA10A}">
+      <p15:sldGuideLst xmlns:p15="http://schemas.microsoft.com/office/powerpoint/2012/main">
+        <p15:guide id="1" orient="horz" pos="2880">
+          <p15:clr>
+            <a:srgbClr val="A4A3A4"/>
+          </p15:clr>
+        </p15:guide>
+        <p15:guide id="2" pos="2160">
+          <p15:clr>
+            <a:srgbClr val="A4A3A4"/>
+          </p15:clr>
+        </p15:guide>
+      </p15:sldGuideLst>
+    </p:ext>
+  </p:extLst>
 </p:presentation>
 </file>
 
@@ -220,6 +236,7 @@
           <a:p>
             <a:fld id="{3EFD42F7-718C-4B98-AAEC-167E6DDD60A7}" type="datetimeFigureOut">
               <a:rPr lang="en-US" smtClean="0"/>
+              <a:t>2/1/2023</a:t>
             </a:fld>
             <a:endParaRPr lang="en-US"/>
           </a:p>
@@ -283,42 +300,37 @@
           <a:p>
             <a:pPr lvl="0"/>
             <a:r>
-              <a:rPr lang="en-US" smtClean="0"/>
+              <a:rPr lang="en-US"/>
               <a:t>Click to edit Master text styles</a:t>
             </a:r>
-            <a:endParaRPr lang="en-US" smtClean="0"/>
           </a:p>
           <a:p>
             <a:pPr lvl="1"/>
             <a:r>
-              <a:rPr lang="en-US" smtClean="0"/>
+              <a:rPr lang="en-US"/>
               <a:t>Second level</a:t>
             </a:r>
-            <a:endParaRPr lang="en-US" smtClean="0"/>
           </a:p>
           <a:p>
             <a:pPr lvl="2"/>
             <a:r>
-              <a:rPr lang="en-US" smtClean="0"/>
+              <a:rPr lang="en-US"/>
               <a:t>Third level</a:t>
             </a:r>
-            <a:endParaRPr lang="en-US" smtClean="0"/>
           </a:p>
           <a:p>
             <a:pPr lvl="3"/>
             <a:r>
-              <a:rPr lang="en-US" smtClean="0"/>
+              <a:rPr lang="en-US"/>
               <a:t>Fourth level</a:t>
             </a:r>
-            <a:endParaRPr lang="en-US" smtClean="0"/>
           </a:p>
           <a:p>
             <a:pPr lvl="4"/>
             <a:r>
-              <a:rPr lang="en-US" smtClean="0"/>
+              <a:rPr lang="en-US"/>
               <a:t>Fifth level</a:t>
             </a:r>
-            <a:endParaRPr lang="en-US"/>
           </a:p>
         </p:txBody>
       </p:sp>
@@ -382,6 +394,7 @@
           <a:p>
             <a:fld id="{21B2AA4F-B828-4D7C-AFD3-893933DAFCB4}" type="slidenum">
               <a:rPr lang="en-US" smtClean="0"/>
+              <a:t>‹#›</a:t>
             </a:fld>
             <a:endParaRPr lang="en-US"/>
           </a:p>
@@ -530,7 +543,9 @@
               <a:defRPr/>
             </a:lvl1pPr>
           </a:lstStyle>
-          <a:p/>
+          <a:p>
+            <a:endParaRPr/>
+          </a:p>
         </p:txBody>
       </p:sp>
       <p:sp>
@@ -561,7 +576,9 @@
               <a:defRPr/>
             </a:lvl1pPr>
           </a:lstStyle>
-          <a:p/>
+          <a:p>
+            <a:endParaRPr/>
+          </a:p>
         </p:txBody>
       </p:sp>
       <p:sp>
@@ -588,7 +605,9 @@
               </a:defRPr>
             </a:lvl1pPr>
           </a:lstStyle>
-          <a:p/>
+          <a:p>
+            <a:endParaRPr/>
+          </a:p>
         </p:txBody>
       </p:sp>
       <p:sp>
@@ -618,6 +637,7 @@
           <a:p>
             <a:fld id="{1D8BD707-D9CF-40AE-B4C6-C98DA3205C09}" type="datetimeFigureOut">
               <a:rPr lang="en-US"/>
+              <a:t>2/1/2023</a:t>
             </a:fld>
             <a:endParaRPr lang="en-US"/>
           </a:p>
@@ -650,6 +670,7 @@
           <a:p>
             <a:fld id="{B6F15528-21DE-4FAA-801E-634DDDAF4B2B}" type="slidenum">
               <a:rPr/>
+              <a:t>‹#›</a:t>
             </a:fld>
             <a:endParaRPr/>
           </a:p>
@@ -705,7 +726,9 @@
               </a:defRPr>
             </a:lvl1pPr>
           </a:lstStyle>
-          <a:p/>
+          <a:p>
+            <a:endParaRPr/>
+          </a:p>
         </p:txBody>
       </p:sp>
       <p:sp>
@@ -730,7 +753,9 @@
               </a:defRPr>
             </a:lvl1pPr>
           </a:lstStyle>
-          <a:p/>
+          <a:p>
+            <a:endParaRPr/>
+          </a:p>
         </p:txBody>
       </p:sp>
       <p:sp>
@@ -757,7 +782,9 @@
               </a:defRPr>
             </a:lvl1pPr>
           </a:lstStyle>
-          <a:p/>
+          <a:p>
+            <a:endParaRPr/>
+          </a:p>
         </p:txBody>
       </p:sp>
       <p:sp>
@@ -787,6 +814,7 @@
           <a:p>
             <a:fld id="{1D8BD707-D9CF-40AE-B4C6-C98DA3205C09}" type="datetimeFigureOut">
               <a:rPr lang="en-US"/>
+              <a:t>2/1/2023</a:t>
             </a:fld>
             <a:endParaRPr lang="en-US"/>
           </a:p>
@@ -819,6 +847,7 @@
           <a:p>
             <a:fld id="{B6F15528-21DE-4FAA-801E-634DDDAF4B2B}" type="slidenum">
               <a:rPr/>
+              <a:t>‹#›</a:t>
             </a:fld>
             <a:endParaRPr/>
           </a:p>
@@ -874,7 +903,9 @@
               </a:defRPr>
             </a:lvl1pPr>
           </a:lstStyle>
-          <a:p/>
+          <a:p>
+            <a:endParaRPr/>
+          </a:p>
         </p:txBody>
       </p:sp>
       <p:sp>
@@ -905,7 +936,9 @@
               <a:defRPr/>
             </a:lvl1pPr>
           </a:lstStyle>
-          <a:p/>
+          <a:p>
+            <a:endParaRPr/>
+          </a:p>
         </p:txBody>
       </p:sp>
       <p:sp>
@@ -936,7 +969,9 @@
               <a:defRPr/>
             </a:lvl1pPr>
           </a:lstStyle>
-          <a:p/>
+          <a:p>
+            <a:endParaRPr/>
+          </a:p>
         </p:txBody>
       </p:sp>
       <p:sp>
@@ -963,7 +998,9 @@
               </a:defRPr>
             </a:lvl1pPr>
           </a:lstStyle>
-          <a:p/>
+          <a:p>
+            <a:endParaRPr/>
+          </a:p>
         </p:txBody>
       </p:sp>
       <p:sp>
@@ -993,6 +1030,7 @@
           <a:p>
             <a:fld id="{1D8BD707-D9CF-40AE-B4C6-C98DA3205C09}" type="datetimeFigureOut">
               <a:rPr lang="en-US"/>
+              <a:t>2/1/2023</a:t>
             </a:fld>
             <a:endParaRPr lang="en-US"/>
           </a:p>
@@ -1025,6 +1063,7 @@
           <a:p>
             <a:fld id="{B6F15528-21DE-4FAA-801E-634DDDAF4B2B}" type="slidenum">
               <a:rPr/>
+              <a:t>‹#›</a:t>
             </a:fld>
             <a:endParaRPr/>
           </a:p>
@@ -1040,7 +1079,7 @@
 </file>
 
 <file path=ppt/slideLayouts/slideLayout4.xml><?xml version="1.0" encoding="utf-8"?>
-<p:sldLayout xmlns:a="http://schemas.openxmlformats.org/drawingml/2006/main" xmlns:r="http://schemas.openxmlformats.org/officeDocument/2006/relationships" xmlns:p="http://schemas.openxmlformats.org/presentationml/2006/main" type="obj" preserve="1" showMasterSp="0">
+<p:sldLayout xmlns:a="http://schemas.openxmlformats.org/drawingml/2006/main" xmlns:r="http://schemas.openxmlformats.org/officeDocument/2006/relationships" xmlns:p="http://schemas.openxmlformats.org/presentationml/2006/main" showMasterSp="0" type="obj" preserve="1">
   <p:cSld name="Title Only">
     <p:bg>
       <p:bgPr>
@@ -1109,7 +1148,9 @@
         <p:txBody>
           <a:bodyPr wrap="square" lIns="0" tIns="0" rIns="0" bIns="0" rtlCol="0"/>
           <a:lstStyle/>
-          <a:p/>
+          <a:p>
+            <a:endParaRPr/>
+          </a:p>
         </p:txBody>
       </p:sp>
       <p:sp>
@@ -1136,7 +1177,9 @@
               </a:defRPr>
             </a:lvl1pPr>
           </a:lstStyle>
-          <a:p/>
+          <a:p>
+            <a:endParaRPr/>
+          </a:p>
         </p:txBody>
       </p:sp>
       <p:sp>
@@ -1163,7 +1206,9 @@
               </a:defRPr>
             </a:lvl1pPr>
           </a:lstStyle>
-          <a:p/>
+          <a:p>
+            <a:endParaRPr/>
+          </a:p>
         </p:txBody>
       </p:sp>
       <p:sp>
@@ -1193,6 +1238,7 @@
           <a:p>
             <a:fld id="{1D8BD707-D9CF-40AE-B4C6-C98DA3205C09}" type="datetimeFigureOut">
               <a:rPr lang="en-US"/>
+              <a:t>2/1/2023</a:t>
             </a:fld>
             <a:endParaRPr lang="en-US"/>
           </a:p>
@@ -1225,6 +1271,7 @@
           <a:p>
             <a:fld id="{B6F15528-21DE-4FAA-801E-634DDDAF4B2B}" type="slidenum">
               <a:rPr/>
+              <a:t>‹#›</a:t>
             </a:fld>
             <a:endParaRPr/>
           </a:p>
@@ -1280,7 +1327,9 @@
               </a:defRPr>
             </a:lvl1pPr>
           </a:lstStyle>
-          <a:p/>
+          <a:p>
+            <a:endParaRPr/>
+          </a:p>
         </p:txBody>
       </p:sp>
       <p:sp>
@@ -1310,6 +1359,7 @@
           <a:p>
             <a:fld id="{1D8BD707-D9CF-40AE-B4C6-C98DA3205C09}" type="datetimeFigureOut">
               <a:rPr lang="en-US"/>
+              <a:t>2/1/2023</a:t>
             </a:fld>
             <a:endParaRPr lang="en-US"/>
           </a:p>
@@ -1342,6 +1392,7 @@
           <a:p>
             <a:fld id="{B6F15528-21DE-4FAA-801E-634DDDAF4B2B}" type="slidenum">
               <a:rPr/>
+              <a:t>‹#›</a:t>
             </a:fld>
             <a:endParaRPr/>
           </a:p>
@@ -1415,7 +1466,9 @@
               </a:defRPr>
             </a:lvl1pPr>
           </a:lstStyle>
-          <a:p/>
+          <a:p>
+            <a:endParaRPr/>
+          </a:p>
         </p:txBody>
       </p:sp>
       <p:sp>
@@ -1450,7 +1503,9 @@
               </a:defRPr>
             </a:lvl1pPr>
           </a:lstStyle>
-          <a:p/>
+          <a:p>
+            <a:endParaRPr/>
+          </a:p>
         </p:txBody>
       </p:sp>
       <p:sp>
@@ -1487,7 +1542,9 @@
               </a:defRPr>
             </a:lvl1pPr>
           </a:lstStyle>
-          <a:p/>
+          <a:p>
+            <a:endParaRPr/>
+          </a:p>
         </p:txBody>
       </p:sp>
       <p:sp>
@@ -1527,6 +1584,7 @@
           <a:p>
             <a:fld id="{1D8BD707-D9CF-40AE-B4C6-C98DA3205C09}" type="datetimeFigureOut">
               <a:rPr lang="en-US"/>
+              <a:t>2/1/2023</a:t>
             </a:fld>
             <a:endParaRPr lang="en-US"/>
           </a:p>
@@ -1569,6 +1627,7 @@
           <a:p>
             <a:fld id="{B6F15528-21DE-4FAA-801E-634DDDAF4B2B}" type="slidenum">
               <a:rPr/>
+              <a:t>‹#›</a:t>
             </a:fld>
             <a:endParaRPr/>
           </a:p>
@@ -1753,7 +1812,7 @@
           <p:nvPr/>
         </p:nvPicPr>
         <p:blipFill>
-          <a:blip r:embed="rId1" cstate="print"/>
+          <a:blip r:embed="rId2" cstate="print"/>
           <a:stretch>
             <a:fillRect/>
           </a:stretch>
@@ -2026,12 +2085,6 @@
               </a:rPr>
               <a:t>rchitecture</a:t>
             </a:r>
-            <a:endParaRPr lang="en-US" sz="6000" spc="-150" dirty="0">
-              <a:solidFill>
-                <a:srgbClr val="161616"/>
-              </a:solidFill>
-              <a:sym typeface="+mn-ea"/>
-            </a:endParaRPr>
           </a:p>
         </p:txBody>
       </p:sp>
@@ -2048,9 +2101,11 @@
         <p:spPr/>
         <p:txBody>
           <a:bodyPr/>
+          <a:lstStyle/>
           <a:p>
             <a:fld id="{B6F15528-21DE-4FAA-801E-634DDDAF4B2B}" type="slidenum">
               <a:rPr/>
+              <a:t>1</a:t>
             </a:fld>
             <a:endParaRPr/>
           </a:p>
@@ -2118,7 +2173,9 @@
         <p:txBody>
           <a:bodyPr wrap="square" lIns="0" tIns="0" rIns="0" bIns="0" rtlCol="0"/>
           <a:lstStyle/>
-          <a:p/>
+          <a:p>
+            <a:endParaRPr/>
+          </a:p>
         </p:txBody>
       </p:sp>
       <p:sp>
@@ -2396,7 +2453,7 @@
           <p:nvPr/>
         </p:nvPicPr>
         <p:blipFill>
-          <a:blip r:embed="rId1" cstate="print"/>
+          <a:blip r:embed="rId2" cstate="print"/>
           <a:stretch>
             <a:fillRect/>
           </a:stretch>
@@ -2469,9 +2526,11 @@
         <p:spPr/>
         <p:txBody>
           <a:bodyPr/>
+          <a:lstStyle/>
           <a:p>
             <a:fld id="{B6F15528-21DE-4FAA-801E-634DDDAF4B2B}" type="slidenum">
               <a:rPr/>
+              <a:t>10</a:t>
             </a:fld>
             <a:endParaRPr/>
           </a:p>
@@ -2539,7 +2598,9 @@
         <p:txBody>
           <a:bodyPr wrap="square" lIns="0" tIns="0" rIns="0" bIns="0" rtlCol="0"/>
           <a:lstStyle/>
-          <a:p/>
+          <a:p>
+            <a:endParaRPr/>
+          </a:p>
         </p:txBody>
       </p:sp>
       <p:sp>
@@ -2838,7 +2899,7 @@
           <p:nvPr/>
         </p:nvPicPr>
         <p:blipFill>
-          <a:blip r:embed="rId1" cstate="print"/>
+          <a:blip r:embed="rId2" cstate="print"/>
           <a:stretch>
             <a:fillRect/>
           </a:stretch>
@@ -2943,9 +3004,11 @@
         <p:spPr/>
         <p:txBody>
           <a:bodyPr/>
+          <a:lstStyle/>
           <a:p>
             <a:fld id="{B6F15528-21DE-4FAA-801E-634DDDAF4B2B}" type="slidenum">
               <a:rPr/>
+              <a:t>11</a:t>
             </a:fld>
             <a:endParaRPr/>
           </a:p>
@@ -3118,9 +3181,11 @@
         <p:spPr/>
         <p:txBody>
           <a:bodyPr/>
+          <a:lstStyle/>
           <a:p>
             <a:fld id="{B6F15528-21DE-4FAA-801E-634DDDAF4B2B}" type="slidenum">
               <a:rPr/>
+              <a:t>12</a:t>
             </a:fld>
             <a:endParaRPr/>
           </a:p>
@@ -3188,7 +3253,9 @@
         <p:txBody>
           <a:bodyPr wrap="square" lIns="0" tIns="0" rIns="0" bIns="0" rtlCol="0"/>
           <a:lstStyle/>
-          <a:p/>
+          <a:p>
+            <a:endParaRPr/>
+          </a:p>
         </p:txBody>
       </p:sp>
       <p:sp>
@@ -3612,7 +3679,7 @@
           <p:nvPr/>
         </p:nvPicPr>
         <p:blipFill>
-          <a:blip r:embed="rId1" cstate="print"/>
+          <a:blip r:embed="rId2" cstate="print"/>
           <a:stretch>
             <a:fillRect/>
           </a:stretch>
@@ -3685,9 +3752,11 @@
         <p:spPr/>
         <p:txBody>
           <a:bodyPr/>
+          <a:lstStyle/>
           <a:p>
             <a:fld id="{B6F15528-21DE-4FAA-801E-634DDDAF4B2B}" type="slidenum">
               <a:rPr/>
+              <a:t>13</a:t>
             </a:fld>
             <a:endParaRPr/>
           </a:p>
@@ -3900,9 +3969,11 @@
         <p:spPr/>
         <p:txBody>
           <a:bodyPr/>
+          <a:lstStyle/>
           <a:p>
             <a:fld id="{B6F15528-21DE-4FAA-801E-634DDDAF4B2B}" type="slidenum">
               <a:rPr/>
+              <a:t>14</a:t>
             </a:fld>
             <a:endParaRPr/>
           </a:p>
@@ -3970,7 +4041,9 @@
         <p:txBody>
           <a:bodyPr wrap="square" lIns="0" tIns="0" rIns="0" bIns="0" rtlCol="0"/>
           <a:lstStyle/>
-          <a:p/>
+          <a:p>
+            <a:endParaRPr/>
+          </a:p>
         </p:txBody>
       </p:sp>
       <p:sp>
@@ -4360,7 +4433,7 @@
           <p:nvPr/>
         </p:nvPicPr>
         <p:blipFill>
-          <a:blip r:embed="rId1" cstate="print"/>
+          <a:blip r:embed="rId2" cstate="print"/>
           <a:stretch>
             <a:fillRect/>
           </a:stretch>
@@ -4433,9 +4506,11 @@
         <p:spPr/>
         <p:txBody>
           <a:bodyPr/>
+          <a:lstStyle/>
           <a:p>
             <a:fld id="{B6F15528-21DE-4FAA-801E-634DDDAF4B2B}" type="slidenum">
               <a:rPr/>
+              <a:t>15</a:t>
             </a:fld>
             <a:endParaRPr/>
           </a:p>
@@ -4647,9 +4722,11 @@
         <p:spPr/>
         <p:txBody>
           <a:bodyPr/>
+          <a:lstStyle/>
           <a:p>
             <a:fld id="{B6F15528-21DE-4FAA-801E-634DDDAF4B2B}" type="slidenum">
               <a:rPr/>
+              <a:t>16</a:t>
             </a:fld>
             <a:endParaRPr/>
           </a:p>
@@ -4741,7 +4818,9 @@
           <p:txBody>
             <a:bodyPr wrap="square" lIns="0" tIns="0" rIns="0" bIns="0" rtlCol="0"/>
             <a:lstStyle/>
-            <a:p/>
+            <a:p>
+              <a:endParaRPr/>
+            </a:p>
           </p:txBody>
         </p:sp>
         <p:pic>
@@ -4751,7 +4830,7 @@
             <p:nvPr/>
           </p:nvPicPr>
           <p:blipFill>
-            <a:blip r:embed="rId1" cstate="print"/>
+            <a:blip r:embed="rId2" cstate="print"/>
             <a:stretch>
               <a:fillRect/>
             </a:stretch>
@@ -4773,7 +4852,7 @@
             <p:nvPr/>
           </p:nvPicPr>
           <p:blipFill>
-            <a:blip r:embed="rId2" cstate="print"/>
+            <a:blip r:embed="rId3" cstate="print"/>
             <a:stretch>
               <a:fillRect/>
             </a:stretch>
@@ -5001,7 +5080,7 @@
             <p:nvPr/>
           </p:nvPicPr>
           <p:blipFill>
-            <a:blip r:embed="rId2" cstate="print"/>
+            <a:blip r:embed="rId3" cstate="print"/>
             <a:stretch>
               <a:fillRect/>
             </a:stretch>
@@ -5023,7 +5102,7 @@
             <p:nvPr/>
           </p:nvPicPr>
           <p:blipFill>
-            <a:blip r:embed="rId1" cstate="print"/>
+            <a:blip r:embed="rId2" cstate="print"/>
             <a:stretch>
               <a:fillRect/>
             </a:stretch>
@@ -5101,7 +5180,9 @@
           <p:txBody>
             <a:bodyPr wrap="square" lIns="0" tIns="0" rIns="0" bIns="0" rtlCol="0"/>
             <a:lstStyle/>
-            <a:p/>
+            <a:p>
+              <a:endParaRPr/>
+            </a:p>
           </p:txBody>
         </p:sp>
         <p:sp>
@@ -5169,7 +5250,9 @@
           <p:txBody>
             <a:bodyPr wrap="square" lIns="0" tIns="0" rIns="0" bIns="0" rtlCol="0"/>
             <a:lstStyle/>
-            <a:p/>
+            <a:p>
+              <a:endParaRPr/>
+            </a:p>
           </p:txBody>
         </p:sp>
       </p:grpSp>
@@ -5243,9 +5326,11 @@
         <p:spPr/>
         <p:txBody>
           <a:bodyPr/>
+          <a:lstStyle/>
           <a:p>
             <a:fld id="{B6F15528-21DE-4FAA-801E-634DDDAF4B2B}" type="slidenum">
               <a:rPr/>
+              <a:t>17</a:t>
             </a:fld>
             <a:endParaRPr/>
           </a:p>
@@ -5414,9 +5499,11 @@
         <p:spPr/>
         <p:txBody>
           <a:bodyPr/>
+          <a:lstStyle/>
           <a:p>
             <a:fld id="{B6F15528-21DE-4FAA-801E-634DDDAF4B2B}" type="slidenum">
               <a:rPr/>
+              <a:t>18</a:t>
             </a:fld>
             <a:endParaRPr/>
           </a:p>
@@ -5572,7 +5659,7 @@
               </a:rPr>
               <a:t>Node</a:t>
             </a:r>
-            <a:endParaRPr sz="2600">
+            <a:endParaRPr sz="2600" dirty="0">
               <a:latin typeface="Arial MT"/>
               <a:cs typeface="Arial MT"/>
             </a:endParaRPr>
@@ -5586,7 +5673,7 @@
           <p:nvPr/>
         </p:nvPicPr>
         <p:blipFill>
-          <a:blip r:embed="rId1" cstate="print"/>
+          <a:blip r:embed="rId2" cstate="print"/>
           <a:stretch>
             <a:fillRect/>
           </a:stretch>
@@ -5608,7 +5695,7 @@
           <p:nvPr/>
         </p:nvPicPr>
         <p:blipFill>
-          <a:blip r:embed="rId2" cstate="print"/>
+          <a:blip r:embed="rId3" cstate="print"/>
           <a:stretch>
             <a:fillRect/>
           </a:stretch>
@@ -5686,9 +5773,11 @@
         <p:spPr/>
         <p:txBody>
           <a:bodyPr/>
+          <a:lstStyle/>
           <a:p>
             <a:fld id="{B6F15528-21DE-4FAA-801E-634DDDAF4B2B}" type="slidenum">
               <a:rPr/>
+              <a:t>19</a:t>
             </a:fld>
             <a:endParaRPr/>
           </a:p>
@@ -5756,7 +5845,9 @@
         <p:txBody>
           <a:bodyPr wrap="square" lIns="0" tIns="0" rIns="0" bIns="0" rtlCol="0"/>
           <a:lstStyle/>
-          <a:p/>
+          <a:p>
+            <a:endParaRPr/>
+          </a:p>
         </p:txBody>
       </p:sp>
       <p:sp>
@@ -5917,7 +6008,7 @@
           <p:nvPr/>
         </p:nvPicPr>
         <p:blipFill>
-          <a:blip r:embed="rId1" cstate="print"/>
+          <a:blip r:embed="rId2" cstate="print"/>
           <a:stretch>
             <a:fillRect/>
           </a:stretch>
@@ -6006,9 +6097,11 @@
         <p:spPr/>
         <p:txBody>
           <a:bodyPr/>
+          <a:lstStyle/>
           <a:p>
             <a:fld id="{B6F15528-21DE-4FAA-801E-634DDDAF4B2B}" type="slidenum">
               <a:rPr/>
+              <a:t>2</a:t>
             </a:fld>
             <a:endParaRPr/>
           </a:p>
@@ -6180,7 +6273,7 @@
           <p:nvPr/>
         </p:nvPicPr>
         <p:blipFill>
-          <a:blip r:embed="rId1" cstate="print"/>
+          <a:blip r:embed="rId2" cstate="print"/>
           <a:stretch>
             <a:fillRect/>
           </a:stretch>
@@ -6202,7 +6295,7 @@
           <p:nvPr/>
         </p:nvPicPr>
         <p:blipFill>
-          <a:blip r:embed="rId1" cstate="print"/>
+          <a:blip r:embed="rId2" cstate="print"/>
           <a:stretch>
             <a:fillRect/>
           </a:stretch>
@@ -6342,7 +6435,9 @@
         <p:txBody>
           <a:bodyPr wrap="square" lIns="0" tIns="0" rIns="0" bIns="0" rtlCol="0"/>
           <a:lstStyle/>
-          <a:p/>
+          <a:p>
+            <a:endParaRPr/>
+          </a:p>
         </p:txBody>
       </p:sp>
       <p:sp>
@@ -6358,9 +6453,11 @@
         <p:spPr/>
         <p:txBody>
           <a:bodyPr/>
+          <a:lstStyle/>
           <a:p>
             <a:fld id="{B6F15528-21DE-4FAA-801E-634DDDAF4B2B}" type="slidenum">
               <a:rPr/>
+              <a:t>20</a:t>
             </a:fld>
             <a:endParaRPr/>
           </a:p>
@@ -6805,7 +6902,9 @@
           <p:txBody>
             <a:bodyPr wrap="square" lIns="0" tIns="0" rIns="0" bIns="0" rtlCol="0"/>
             <a:lstStyle/>
-            <a:p/>
+            <a:p>
+              <a:endParaRPr/>
+            </a:p>
           </p:txBody>
         </p:sp>
         <p:pic>
@@ -6815,7 +6914,7 @@
             <p:nvPr/>
           </p:nvPicPr>
           <p:blipFill>
-            <a:blip r:embed="rId1" cstate="print"/>
+            <a:blip r:embed="rId2" cstate="print"/>
             <a:stretch>
               <a:fillRect/>
             </a:stretch>
@@ -6865,14 +6964,7 @@
                 <a:latin typeface="Arial MT"/>
                 <a:cs typeface="Arial MT"/>
               </a:rPr>
-              <a:t>Control  </a:t>
-            </a:r>
-            <a:r>
-              <a:rPr sz="2500" spc="-5" dirty="0">
-                <a:latin typeface="Arial MT"/>
-                <a:cs typeface="Arial MT"/>
-              </a:rPr>
-              <a:t>Plane </a:t>
+              <a:t>Control  Plane </a:t>
             </a:r>
             <a:r>
               <a:rPr sz="2500" dirty="0">
@@ -7218,7 +7310,9 @@
         <p:txBody>
           <a:bodyPr wrap="square" lIns="0" tIns="0" rIns="0" bIns="0" rtlCol="0"/>
           <a:lstStyle/>
-          <a:p/>
+          <a:p>
+            <a:endParaRPr/>
+          </a:p>
         </p:txBody>
       </p:sp>
       <p:sp>
@@ -7323,7 +7417,9 @@
           <p:txBody>
             <a:bodyPr wrap="square" lIns="0" tIns="0" rIns="0" bIns="0" rtlCol="0"/>
             <a:lstStyle/>
-            <a:p/>
+            <a:p>
+              <a:endParaRPr/>
+            </a:p>
           </p:txBody>
         </p:sp>
         <p:pic>
@@ -7333,7 +7429,7 @@
             <p:nvPr/>
           </p:nvPicPr>
           <p:blipFill>
-            <a:blip r:embed="rId2" cstate="print"/>
+            <a:blip r:embed="rId3" cstate="print"/>
             <a:stretch>
               <a:fillRect/>
             </a:stretch>
@@ -7630,7 +7726,9 @@
           <p:txBody>
             <a:bodyPr wrap="square" lIns="0" tIns="0" rIns="0" bIns="0" rtlCol="0"/>
             <a:lstStyle/>
-            <a:p/>
+            <a:p>
+              <a:endParaRPr/>
+            </a:p>
           </p:txBody>
         </p:sp>
         <p:sp>
@@ -7675,7 +7773,9 @@
           <p:txBody>
             <a:bodyPr wrap="square" lIns="0" tIns="0" rIns="0" bIns="0" rtlCol="0"/>
             <a:lstStyle/>
-            <a:p/>
+            <a:p>
+              <a:endParaRPr/>
+            </a:p>
           </p:txBody>
         </p:sp>
       </p:grpSp>
@@ -7692,9 +7792,11 @@
         <p:spPr/>
         <p:txBody>
           <a:bodyPr/>
+          <a:lstStyle/>
           <a:p>
             <a:fld id="{B6F15528-21DE-4FAA-801E-634DDDAF4B2B}" type="slidenum">
               <a:rPr/>
+              <a:t>21</a:t>
             </a:fld>
             <a:endParaRPr/>
           </a:p>
@@ -8000,7 +8102,7 @@
         </p:nvGraphicFramePr>
         <p:xfrm>
           <a:off x="697991" y="2830067"/>
-          <a:ext cx="10434955" cy="4652009"/>
+          <a:ext cx="10434954" cy="4556757"/>
         </p:xfrm>
         <a:graphic>
           <a:graphicData uri="http://schemas.openxmlformats.org/drawingml/2006/table">
@@ -8009,11 +8111,41 @@
                 <a:tableStyleId>{2D5ABB26-0587-4C30-8999-92F81FD0307C}</a:tableStyleId>
               </a:tblPr>
               <a:tblGrid>
-                <a:gridCol w="2571115"/>
-                <a:gridCol w="995044"/>
-                <a:gridCol w="2571115"/>
-                <a:gridCol w="871855"/>
-                <a:gridCol w="3425825"/>
+                <a:gridCol w="2571115">
+                  <a:extLst>
+                    <a:ext uri="{9D8B030D-6E8A-4147-A177-3AD203B41FA5}">
+                      <a16:colId xmlns:a16="http://schemas.microsoft.com/office/drawing/2014/main" val="20000"/>
+                    </a:ext>
+                  </a:extLst>
+                </a:gridCol>
+                <a:gridCol w="995044">
+                  <a:extLst>
+                    <a:ext uri="{9D8B030D-6E8A-4147-A177-3AD203B41FA5}">
+                      <a16:colId xmlns:a16="http://schemas.microsoft.com/office/drawing/2014/main" val="20001"/>
+                    </a:ext>
+                  </a:extLst>
+                </a:gridCol>
+                <a:gridCol w="2571115">
+                  <a:extLst>
+                    <a:ext uri="{9D8B030D-6E8A-4147-A177-3AD203B41FA5}">
+                      <a16:colId xmlns:a16="http://schemas.microsoft.com/office/drawing/2014/main" val="20002"/>
+                    </a:ext>
+                  </a:extLst>
+                </a:gridCol>
+                <a:gridCol w="871855">
+                  <a:extLst>
+                    <a:ext uri="{9D8B030D-6E8A-4147-A177-3AD203B41FA5}">
+                      <a16:colId xmlns:a16="http://schemas.microsoft.com/office/drawing/2014/main" val="20003"/>
+                    </a:ext>
+                  </a:extLst>
+                </a:gridCol>
+                <a:gridCol w="3425825">
+                  <a:extLst>
+                    <a:ext uri="{9D8B030D-6E8A-4147-A177-3AD203B41FA5}">
+                      <a16:colId xmlns:a16="http://schemas.microsoft.com/office/drawing/2014/main" val="20004"/>
+                    </a:ext>
+                  </a:extLst>
+                </a:gridCol>
               </a:tblGrid>
               <a:tr h="1078230">
                 <a:tc>
@@ -8250,6 +8382,11 @@
                     </a:solidFill>
                   </a:tcPr>
                 </a:tc>
+                <a:extLst>
+                  <a:ext uri="{0D108BD9-81ED-4DB2-BD59-A6C34878D82A}">
+                    <a16:rowId xmlns:a16="http://schemas.microsoft.com/office/drawing/2014/main" val="10000"/>
+                  </a:ext>
+                </a:extLst>
               </a:tr>
               <a:tr h="0">
                 <a:tc>
@@ -8342,6 +8479,11 @@
                   </a:txBody>
                   <a:tcPr marL="0" marR="0" marT="0" marB="0"/>
                 </a:tc>
+                <a:extLst>
+                  <a:ext uri="{0D108BD9-81ED-4DB2-BD59-A6C34878D82A}">
+                    <a16:rowId xmlns:a16="http://schemas.microsoft.com/office/drawing/2014/main" val="10001"/>
+                  </a:ext>
+                </a:extLst>
               </a:tr>
               <a:tr h="1078229">
                 <a:tc>
@@ -8567,6 +8709,11 @@
                     </a:solidFill>
                   </a:tcPr>
                 </a:tc>
+                <a:extLst>
+                  <a:ext uri="{0D108BD9-81ED-4DB2-BD59-A6C34878D82A}">
+                    <a16:rowId xmlns:a16="http://schemas.microsoft.com/office/drawing/2014/main" val="10002"/>
+                  </a:ext>
+                </a:extLst>
               </a:tr>
               <a:tr h="0">
                 <a:tc>
@@ -8659,6 +8806,11 @@
                   </a:txBody>
                   <a:tcPr marL="0" marR="0" marT="0" marB="0"/>
                 </a:tc>
+                <a:extLst>
+                  <a:ext uri="{0D108BD9-81ED-4DB2-BD59-A6C34878D82A}">
+                    <a16:rowId xmlns:a16="http://schemas.microsoft.com/office/drawing/2014/main" val="10003"/>
+                  </a:ext>
+                </a:extLst>
               </a:tr>
               <a:tr h="1078229">
                 <a:tc>
@@ -8835,6 +8987,11 @@
                     </a:solidFill>
                   </a:tcPr>
                 </a:tc>
+                <a:extLst>
+                  <a:ext uri="{0D108BD9-81ED-4DB2-BD59-A6C34878D82A}">
+                    <a16:rowId xmlns:a16="http://schemas.microsoft.com/office/drawing/2014/main" val="10004"/>
+                  </a:ext>
+                </a:extLst>
               </a:tr>
               <a:tr h="0">
                 <a:tc>
@@ -8927,6 +9084,11 @@
                   </a:txBody>
                   <a:tcPr marL="0" marR="0" marT="0" marB="0"/>
                 </a:tc>
+                <a:extLst>
+                  <a:ext uri="{0D108BD9-81ED-4DB2-BD59-A6C34878D82A}">
+                    <a16:rowId xmlns:a16="http://schemas.microsoft.com/office/drawing/2014/main" val="10005"/>
+                  </a:ext>
+                </a:extLst>
               </a:tr>
               <a:tr h="1078229">
                 <a:tc>
@@ -9115,6 +9277,11 @@
                     </a:solidFill>
                   </a:tcPr>
                 </a:tc>
+                <a:extLst>
+                  <a:ext uri="{0D108BD9-81ED-4DB2-BD59-A6C34878D82A}">
+                    <a16:rowId xmlns:a16="http://schemas.microsoft.com/office/drawing/2014/main" val="10006"/>
+                  </a:ext>
+                </a:extLst>
               </a:tr>
             </a:tbl>
           </a:graphicData>
@@ -9501,9 +9668,11 @@
         <p:spPr/>
         <p:txBody>
           <a:bodyPr/>
+          <a:lstStyle/>
           <a:p>
             <a:fld id="{B6F15528-21DE-4FAA-801E-634DDDAF4B2B}" type="slidenum">
               <a:rPr/>
+              <a:t>22</a:t>
             </a:fld>
             <a:endParaRPr/>
           </a:p>
@@ -9916,7 +10085,9 @@
           <p:txBody>
             <a:bodyPr wrap="square" lIns="0" tIns="0" rIns="0" bIns="0" rtlCol="0"/>
             <a:lstStyle/>
-            <a:p/>
+            <a:p>
+              <a:endParaRPr/>
+            </a:p>
           </p:txBody>
         </p:sp>
         <p:pic>
@@ -9926,7 +10097,7 @@
             <p:nvPr/>
           </p:nvPicPr>
           <p:blipFill>
-            <a:blip r:embed="rId1" cstate="print"/>
+            <a:blip r:embed="rId2" cstate="print"/>
             <a:stretch>
               <a:fillRect/>
             </a:stretch>
@@ -9976,14 +10147,7 @@
                 <a:latin typeface="Arial MT"/>
                 <a:cs typeface="Arial MT"/>
               </a:rPr>
-              <a:t>Control  </a:t>
-            </a:r>
-            <a:r>
-              <a:rPr sz="2500" spc="-5" dirty="0">
-                <a:latin typeface="Arial MT"/>
-                <a:cs typeface="Arial MT"/>
-              </a:rPr>
-              <a:t>Plane </a:t>
+              <a:t>Control  Plane </a:t>
             </a:r>
             <a:r>
               <a:rPr sz="2500" dirty="0">
@@ -10051,7 +10215,9 @@
         <p:txBody>
           <a:bodyPr wrap="square" lIns="0" tIns="0" rIns="0" bIns="0" rtlCol="0"/>
           <a:lstStyle/>
-          <a:p/>
+          <a:p>
+            <a:endParaRPr/>
+          </a:p>
         </p:txBody>
       </p:sp>
       <p:sp>
@@ -10329,7 +10495,9 @@
         <p:txBody>
           <a:bodyPr wrap="square" lIns="0" tIns="0" rIns="0" bIns="0" rtlCol="0"/>
           <a:lstStyle/>
-          <a:p/>
+          <a:p>
+            <a:endParaRPr/>
+          </a:p>
         </p:txBody>
       </p:sp>
       <p:sp>
@@ -10453,7 +10621,9 @@
         <p:txBody>
           <a:bodyPr wrap="square" lIns="0" tIns="0" rIns="0" bIns="0" rtlCol="0"/>
           <a:lstStyle/>
-          <a:p/>
+          <a:p>
+            <a:endParaRPr/>
+          </a:p>
         </p:txBody>
       </p:sp>
       <p:sp>
@@ -10944,7 +11114,9 @@
         <p:txBody>
           <a:bodyPr wrap="square" lIns="0" tIns="0" rIns="0" bIns="0" rtlCol="0"/>
           <a:lstStyle/>
-          <a:p/>
+          <a:p>
+            <a:endParaRPr/>
+          </a:p>
         </p:txBody>
       </p:sp>
       <p:sp>
@@ -11011,7 +11183,7 @@
             <p:nvPr/>
           </p:nvPicPr>
           <p:blipFill>
-            <a:blip r:embed="rId2" cstate="print"/>
+            <a:blip r:embed="rId3" cstate="print"/>
             <a:stretch>
               <a:fillRect/>
             </a:stretch>
@@ -11063,7 +11235,9 @@
           <p:txBody>
             <a:bodyPr wrap="square" lIns="0" tIns="0" rIns="0" bIns="0" rtlCol="0"/>
             <a:lstStyle/>
-            <a:p/>
+            <a:p>
+              <a:endParaRPr/>
+            </a:p>
           </p:txBody>
         </p:sp>
         <p:sp>
@@ -11103,7 +11277,9 @@
           <p:txBody>
             <a:bodyPr wrap="square" lIns="0" tIns="0" rIns="0" bIns="0" rtlCol="0"/>
             <a:lstStyle/>
-            <a:p/>
+            <a:p>
+              <a:endParaRPr/>
+            </a:p>
           </p:txBody>
         </p:sp>
         <p:sp>
@@ -11148,7 +11324,9 @@
           <p:txBody>
             <a:bodyPr wrap="square" lIns="0" tIns="0" rIns="0" bIns="0" rtlCol="0"/>
             <a:lstStyle/>
-            <a:p/>
+            <a:p>
+              <a:endParaRPr/>
+            </a:p>
           </p:txBody>
         </p:sp>
         <p:sp>
@@ -11188,7 +11366,9 @@
           <p:txBody>
             <a:bodyPr wrap="square" lIns="0" tIns="0" rIns="0" bIns="0" rtlCol="0"/>
             <a:lstStyle/>
-            <a:p/>
+            <a:p>
+              <a:endParaRPr/>
+            </a:p>
           </p:txBody>
         </p:sp>
         <p:sp>
@@ -11228,7 +11408,9 @@
           <p:txBody>
             <a:bodyPr wrap="square" lIns="0" tIns="0" rIns="0" bIns="0" rtlCol="0"/>
             <a:lstStyle/>
-            <a:p/>
+            <a:p>
+              <a:endParaRPr/>
+            </a:p>
           </p:txBody>
         </p:sp>
         <p:sp>
@@ -11273,7 +11455,9 @@
           <p:txBody>
             <a:bodyPr wrap="square" lIns="0" tIns="0" rIns="0" bIns="0" rtlCol="0"/>
             <a:lstStyle/>
-            <a:p/>
+            <a:p>
+              <a:endParaRPr/>
+            </a:p>
           </p:txBody>
         </p:sp>
       </p:grpSp>
@@ -11290,9 +11474,11 @@
         <p:spPr/>
         <p:txBody>
           <a:bodyPr/>
+          <a:lstStyle/>
           <a:p>
             <a:fld id="{B6F15528-21DE-4FAA-801E-634DDDAF4B2B}" type="slidenum">
               <a:rPr/>
+              <a:t>23</a:t>
             </a:fld>
             <a:endParaRPr/>
           </a:p>
@@ -11598,7 +11784,9 @@
           <p:txBody>
             <a:bodyPr wrap="square" lIns="0" tIns="0" rIns="0" bIns="0" rtlCol="0"/>
             <a:lstStyle/>
-            <a:p/>
+            <a:p>
+              <a:endParaRPr/>
+            </a:p>
           </p:txBody>
         </p:sp>
         <p:sp>
@@ -12870,7 +13058,9 @@
           <p:txBody>
             <a:bodyPr wrap="square" lIns="0" tIns="0" rIns="0" bIns="0" rtlCol="0"/>
             <a:lstStyle/>
-            <a:p/>
+            <a:p>
+              <a:endParaRPr/>
+            </a:p>
           </p:txBody>
         </p:sp>
       </p:grpSp>
@@ -13921,9 +14111,11 @@
         <p:spPr/>
         <p:txBody>
           <a:bodyPr/>
+          <a:lstStyle/>
           <a:p>
             <a:fld id="{B6F15528-21DE-4FAA-801E-634DDDAF4B2B}" type="slidenum">
               <a:rPr/>
+              <a:t>24</a:t>
             </a:fld>
             <a:endParaRPr/>
           </a:p>
@@ -14131,7 +14323,7 @@
           <p:nvPr/>
         </p:nvPicPr>
         <p:blipFill>
-          <a:blip r:embed="rId1" cstate="print"/>
+          <a:blip r:embed="rId2" cstate="print"/>
           <a:stretch>
             <a:fillRect/>
           </a:stretch>
@@ -14153,7 +14345,7 @@
           <p:nvPr/>
         </p:nvPicPr>
         <p:blipFill>
-          <a:blip r:embed="rId2" cstate="print"/>
+          <a:blip r:embed="rId3" cstate="print"/>
           <a:stretch>
             <a:fillRect/>
           </a:stretch>
@@ -14175,7 +14367,7 @@
           <p:nvPr/>
         </p:nvPicPr>
         <p:blipFill>
-          <a:blip r:embed="rId3" cstate="print"/>
+          <a:blip r:embed="rId4" cstate="print"/>
           <a:stretch>
             <a:fillRect/>
           </a:stretch>
@@ -14246,9 +14438,11 @@
         <p:spPr/>
         <p:txBody>
           <a:bodyPr/>
+          <a:lstStyle/>
           <a:p>
             <a:fld id="{B6F15528-21DE-4FAA-801E-634DDDAF4B2B}" type="slidenum">
               <a:rPr/>
+              <a:t>25</a:t>
             </a:fld>
             <a:endParaRPr/>
           </a:p>
@@ -14663,7 +14857,9 @@
         <p:txBody>
           <a:bodyPr wrap="square" lIns="0" tIns="0" rIns="0" bIns="0" rtlCol="0"/>
           <a:lstStyle/>
-          <a:p/>
+          <a:p>
+            <a:endParaRPr/>
+          </a:p>
         </p:txBody>
       </p:sp>
       <p:sp>
@@ -14716,7 +14912,7 @@
           <p:nvPr/>
         </p:nvPicPr>
         <p:blipFill>
-          <a:blip r:embed="rId1" cstate="print"/>
+          <a:blip r:embed="rId2" cstate="print"/>
           <a:stretch>
             <a:fillRect/>
           </a:stretch>
@@ -15054,7 +15250,9 @@
         <p:txBody>
           <a:bodyPr wrap="square" lIns="0" tIns="0" rIns="0" bIns="0" rtlCol="0"/>
           <a:lstStyle/>
-          <a:p/>
+          <a:p>
+            <a:endParaRPr/>
+          </a:p>
         </p:txBody>
       </p:sp>
       <p:sp>
@@ -15107,7 +15305,7 @@
           <p:nvPr/>
         </p:nvPicPr>
         <p:blipFill>
-          <a:blip r:embed="rId1" cstate="print"/>
+          <a:blip r:embed="rId2" cstate="print"/>
           <a:stretch>
             <a:fillRect/>
           </a:stretch>
@@ -15445,7 +15643,9 @@
         <p:txBody>
           <a:bodyPr wrap="square" lIns="0" tIns="0" rIns="0" bIns="0" rtlCol="0"/>
           <a:lstStyle/>
-          <a:p/>
+          <a:p>
+            <a:endParaRPr/>
+          </a:p>
         </p:txBody>
       </p:sp>
       <p:sp>
@@ -15498,7 +15698,7 @@
           <p:nvPr/>
         </p:nvPicPr>
         <p:blipFill>
-          <a:blip r:embed="rId1" cstate="print"/>
+          <a:blip r:embed="rId2" cstate="print"/>
           <a:stretch>
             <a:fillRect/>
           </a:stretch>
@@ -15836,7 +16036,9 @@
         <p:txBody>
           <a:bodyPr wrap="square" lIns="0" tIns="0" rIns="0" bIns="0" rtlCol="0"/>
           <a:lstStyle/>
-          <a:p/>
+          <a:p>
+            <a:endParaRPr/>
+          </a:p>
         </p:txBody>
       </p:sp>
       <p:sp>
@@ -15889,7 +16091,7 @@
           <p:nvPr/>
         </p:nvPicPr>
         <p:blipFill>
-          <a:blip r:embed="rId1" cstate="print"/>
+          <a:blip r:embed="rId2" cstate="print"/>
           <a:stretch>
             <a:fillRect/>
           </a:stretch>
@@ -16227,7 +16429,9 @@
         <p:txBody>
           <a:bodyPr wrap="square" lIns="0" tIns="0" rIns="0" bIns="0" rtlCol="0"/>
           <a:lstStyle/>
-          <a:p/>
+          <a:p>
+            <a:endParaRPr/>
+          </a:p>
         </p:txBody>
       </p:sp>
       <p:sp>
@@ -16280,7 +16484,7 @@
           <p:nvPr/>
         </p:nvPicPr>
         <p:blipFill>
-          <a:blip r:embed="rId1" cstate="print"/>
+          <a:blip r:embed="rId2" cstate="print"/>
           <a:stretch>
             <a:fillRect/>
           </a:stretch>
@@ -16632,7 +16836,9 @@
           <p:txBody>
             <a:bodyPr wrap="square" lIns="0" tIns="0" rIns="0" bIns="0" rtlCol="0"/>
             <a:lstStyle/>
-            <a:p/>
+            <a:p>
+              <a:endParaRPr/>
+            </a:p>
           </p:txBody>
         </p:sp>
         <p:pic>
@@ -16642,7 +16848,7 @@
             <p:nvPr/>
           </p:nvPicPr>
           <p:blipFill>
-            <a:blip r:embed="rId2" cstate="print"/>
+            <a:blip r:embed="rId3" cstate="print"/>
             <a:stretch>
               <a:fillRect/>
             </a:stretch>
@@ -16692,14 +16898,7 @@
                 <a:latin typeface="Arial MT"/>
                 <a:cs typeface="Arial MT"/>
               </a:rPr>
-              <a:t>Control  </a:t>
-            </a:r>
-            <a:r>
-              <a:rPr sz="2500" spc="-5" dirty="0">
-                <a:latin typeface="Arial MT"/>
-                <a:cs typeface="Arial MT"/>
-              </a:rPr>
-              <a:t>Plane </a:t>
+              <a:t>Control  Plane </a:t>
             </a:r>
             <a:r>
               <a:rPr sz="2500" dirty="0">
@@ -16767,7 +16966,9 @@
         <p:txBody>
           <a:bodyPr wrap="square" lIns="0" tIns="0" rIns="0" bIns="0" rtlCol="0"/>
           <a:lstStyle/>
-          <a:p/>
+          <a:p>
+            <a:endParaRPr/>
+          </a:p>
         </p:txBody>
       </p:sp>
       <p:sp>
@@ -17490,7 +17691,9 @@
         <p:txBody>
           <a:bodyPr wrap="square" lIns="0" tIns="0" rIns="0" bIns="0" rtlCol="0"/>
           <a:lstStyle/>
-          <a:p/>
+          <a:p>
+            <a:endParaRPr/>
+          </a:p>
         </p:txBody>
       </p:sp>
       <p:sp>
@@ -17543,7 +17746,7 @@
           <p:nvPr/>
         </p:nvPicPr>
         <p:blipFill>
-          <a:blip r:embed="rId3" cstate="print"/>
+          <a:blip r:embed="rId4" cstate="print"/>
           <a:stretch>
             <a:fillRect/>
           </a:stretch>
@@ -18048,7 +18251,9 @@
         <p:txBody>
           <a:bodyPr wrap="square" lIns="0" tIns="0" rIns="0" bIns="0" rtlCol="0"/>
           <a:lstStyle/>
-          <a:p/>
+          <a:p>
+            <a:endParaRPr/>
+          </a:p>
         </p:txBody>
       </p:sp>
       <p:sp>
@@ -18101,7 +18306,7 @@
           <p:nvPr/>
         </p:nvPicPr>
         <p:blipFill>
-          <a:blip r:embed="rId3" cstate="print"/>
+          <a:blip r:embed="rId4" cstate="print"/>
           <a:stretch>
             <a:fillRect/>
           </a:stretch>
@@ -18129,9 +18334,11 @@
         <p:spPr/>
         <p:txBody>
           <a:bodyPr/>
+          <a:lstStyle/>
           <a:p>
             <a:fld id="{B6F15528-21DE-4FAA-801E-634DDDAF4B2B}" type="slidenum">
               <a:rPr/>
+              <a:t>26</a:t>
             </a:fld>
             <a:endParaRPr/>
           </a:p>
@@ -18485,7 +18692,9 @@
         <p:txBody>
           <a:bodyPr wrap="square" lIns="0" tIns="0" rIns="0" bIns="0" rtlCol="0"/>
           <a:lstStyle/>
-          <a:p/>
+          <a:p>
+            <a:endParaRPr/>
+          </a:p>
         </p:txBody>
       </p:sp>
       <p:sp>
@@ -18552,7 +18761,7 @@
             <p:nvPr/>
           </p:nvPicPr>
           <p:blipFill>
-            <a:blip r:embed="rId1" cstate="print"/>
+            <a:blip r:embed="rId2" cstate="print"/>
             <a:stretch>
               <a:fillRect/>
             </a:stretch>
@@ -18890,7 +19099,9 @@
           <p:txBody>
             <a:bodyPr wrap="square" lIns="0" tIns="0" rIns="0" bIns="0" rtlCol="0"/>
             <a:lstStyle/>
-            <a:p/>
+            <a:p>
+              <a:endParaRPr/>
+            </a:p>
           </p:txBody>
         </p:sp>
       </p:grpSp>
@@ -18958,7 +19169,7 @@
             <p:nvPr/>
           </p:nvPicPr>
           <p:blipFill>
-            <a:blip r:embed="rId1" cstate="print"/>
+            <a:blip r:embed="rId2" cstate="print"/>
             <a:stretch>
               <a:fillRect/>
             </a:stretch>
@@ -19296,7 +19507,9 @@
           <p:txBody>
             <a:bodyPr wrap="square" lIns="0" tIns="0" rIns="0" bIns="0" rtlCol="0"/>
             <a:lstStyle/>
-            <a:p/>
+            <a:p>
+              <a:endParaRPr/>
+            </a:p>
           </p:txBody>
         </p:sp>
       </p:grpSp>
@@ -19364,7 +19577,7 @@
             <p:nvPr/>
           </p:nvPicPr>
           <p:blipFill>
-            <a:blip r:embed="rId1" cstate="print"/>
+            <a:blip r:embed="rId2" cstate="print"/>
             <a:stretch>
               <a:fillRect/>
             </a:stretch>
@@ -19702,7 +19915,9 @@
           <p:txBody>
             <a:bodyPr wrap="square" lIns="0" tIns="0" rIns="0" bIns="0" rtlCol="0"/>
             <a:lstStyle/>
-            <a:p/>
+            <a:p>
+              <a:endParaRPr/>
+            </a:p>
           </p:txBody>
         </p:sp>
       </p:grpSp>
@@ -19770,7 +19985,7 @@
             <p:nvPr/>
           </p:nvPicPr>
           <p:blipFill>
-            <a:blip r:embed="rId1" cstate="print"/>
+            <a:blip r:embed="rId2" cstate="print"/>
             <a:stretch>
               <a:fillRect/>
             </a:stretch>
@@ -20108,7 +20323,9 @@
           <p:txBody>
             <a:bodyPr wrap="square" lIns="0" tIns="0" rIns="0" bIns="0" rtlCol="0"/>
             <a:lstStyle/>
-            <a:p/>
+            <a:p>
+              <a:endParaRPr/>
+            </a:p>
           </p:txBody>
         </p:sp>
         <p:sp>
@@ -20434,7 +20651,9 @@
           <p:txBody>
             <a:bodyPr wrap="square" lIns="0" tIns="0" rIns="0" bIns="0" rtlCol="0"/>
             <a:lstStyle/>
-            <a:p/>
+            <a:p>
+              <a:endParaRPr/>
+            </a:p>
           </p:txBody>
         </p:sp>
       </p:grpSp>
@@ -20820,7 +21039,9 @@
           <p:txBody>
             <a:bodyPr wrap="square" lIns="0" tIns="0" rIns="0" bIns="0" rtlCol="0"/>
             <a:lstStyle/>
-            <a:p/>
+            <a:p>
+              <a:endParaRPr/>
+            </a:p>
           </p:txBody>
         </p:sp>
         <p:pic>
@@ -20830,7 +21051,7 @@
             <p:nvPr/>
           </p:nvPicPr>
           <p:blipFill>
-            <a:blip r:embed="rId2" cstate="print"/>
+            <a:blip r:embed="rId3" cstate="print"/>
             <a:stretch>
               <a:fillRect/>
             </a:stretch>
@@ -20952,7 +21173,9 @@
         <p:txBody>
           <a:bodyPr wrap="square" lIns="0" tIns="0" rIns="0" bIns="0" rtlCol="0"/>
           <a:lstStyle/>
-          <a:p/>
+          <a:p>
+            <a:endParaRPr/>
+          </a:p>
         </p:txBody>
       </p:sp>
       <p:sp>
@@ -21321,7 +21544,9 @@
         <p:txBody>
           <a:bodyPr wrap="square" lIns="0" tIns="0" rIns="0" bIns="0" rtlCol="0"/>
           <a:lstStyle/>
-          <a:p/>
+          <a:p>
+            <a:endParaRPr/>
+          </a:p>
         </p:txBody>
       </p:sp>
       <p:sp>
@@ -21402,7 +21627,7 @@
             <p:nvPr/>
           </p:nvPicPr>
           <p:blipFill>
-            <a:blip r:embed="rId3" cstate="print"/>
+            <a:blip r:embed="rId4" cstate="print"/>
             <a:stretch>
               <a:fillRect/>
             </a:stretch>
@@ -21424,7 +21649,7 @@
             <p:nvPr/>
           </p:nvPicPr>
           <p:blipFill>
-            <a:blip r:embed="rId4" cstate="print"/>
+            <a:blip r:embed="rId5" cstate="print"/>
             <a:stretch>
               <a:fillRect/>
             </a:stretch>
@@ -21490,7 +21715,7 @@
           <p:nvPr/>
         </p:nvPicPr>
         <p:blipFill>
-          <a:blip r:embed="rId1" cstate="print"/>
+          <a:blip r:embed="rId2" cstate="print"/>
           <a:stretch>
             <a:fillRect/>
           </a:stretch>
@@ -21574,7 +21799,9 @@
         <p:txBody>
           <a:bodyPr wrap="square" lIns="0" tIns="0" rIns="0" bIns="0" rtlCol="0"/>
           <a:lstStyle/>
-          <a:p/>
+          <a:p>
+            <a:endParaRPr/>
+          </a:p>
         </p:txBody>
       </p:sp>
       <p:sp>
@@ -21590,9 +21817,11 @@
         <p:spPr/>
         <p:txBody>
           <a:bodyPr/>
+          <a:lstStyle/>
           <a:p>
             <a:fld id="{B6F15528-21DE-4FAA-801E-634DDDAF4B2B}" type="slidenum">
               <a:rPr/>
+              <a:t>27</a:t>
             </a:fld>
             <a:endParaRPr/>
           </a:p>
@@ -21809,9 +22038,11 @@
         <p:spPr/>
         <p:txBody>
           <a:bodyPr/>
+          <a:lstStyle/>
           <a:p>
             <a:fld id="{B6F15528-21DE-4FAA-801E-634DDDAF4B2B}" type="slidenum">
               <a:rPr/>
+              <a:t>28</a:t>
             </a:fld>
             <a:endParaRPr/>
           </a:p>
@@ -22378,9 +22609,11 @@
         <p:spPr/>
         <p:txBody>
           <a:bodyPr/>
+          <a:lstStyle/>
           <a:p>
             <a:fld id="{B6F15528-21DE-4FAA-801E-634DDDAF4B2B}" type="slidenum">
               <a:rPr/>
+              <a:t>29</a:t>
             </a:fld>
             <a:endParaRPr/>
           </a:p>
@@ -22418,7 +22651,7 @@
           <p:nvPr/>
         </p:nvPicPr>
         <p:blipFill>
-          <a:blip r:embed="rId1" cstate="print"/>
+          <a:blip r:embed="rId2" cstate="print"/>
           <a:stretch>
             <a:fillRect/>
           </a:stretch>
@@ -22687,9 +22920,11 @@
         <p:spPr/>
         <p:txBody>
           <a:bodyPr/>
+          <a:lstStyle/>
           <a:p>
             <a:fld id="{B6F15528-21DE-4FAA-801E-634DDDAF4B2B}" type="slidenum">
               <a:rPr/>
+              <a:t>3</a:t>
             </a:fld>
             <a:endParaRPr/>
           </a:p>
@@ -23057,7 +23292,9 @@
           <p:txBody>
             <a:bodyPr wrap="square" lIns="0" tIns="0" rIns="0" bIns="0" rtlCol="0"/>
             <a:lstStyle/>
-            <a:p/>
+            <a:p>
+              <a:endParaRPr/>
+            </a:p>
           </p:txBody>
         </p:sp>
         <p:pic>
@@ -23067,7 +23304,7 @@
             <p:nvPr/>
           </p:nvPicPr>
           <p:blipFill>
-            <a:blip r:embed="rId1" cstate="print"/>
+            <a:blip r:embed="rId2" cstate="print"/>
             <a:stretch>
               <a:fillRect/>
             </a:stretch>
@@ -23405,7 +23642,9 @@
           <p:txBody>
             <a:bodyPr wrap="square" lIns="0" tIns="0" rIns="0" bIns="0" rtlCol="0"/>
             <a:lstStyle/>
-            <a:p/>
+            <a:p>
+              <a:endParaRPr/>
+            </a:p>
           </p:txBody>
         </p:sp>
         <p:pic>
@@ -23415,7 +23654,7 @@
             <p:nvPr/>
           </p:nvPicPr>
           <p:blipFill>
-            <a:blip r:embed="rId1" cstate="print"/>
+            <a:blip r:embed="rId2" cstate="print"/>
             <a:stretch>
               <a:fillRect/>
             </a:stretch>
@@ -23753,7 +23992,9 @@
           <p:txBody>
             <a:bodyPr wrap="square" lIns="0" tIns="0" rIns="0" bIns="0" rtlCol="0"/>
             <a:lstStyle/>
-            <a:p/>
+            <a:p>
+              <a:endParaRPr/>
+            </a:p>
           </p:txBody>
         </p:sp>
         <p:pic>
@@ -23763,7 +24004,7 @@
             <p:nvPr/>
           </p:nvPicPr>
           <p:blipFill>
-            <a:blip r:embed="rId1" cstate="print"/>
+            <a:blip r:embed="rId2" cstate="print"/>
             <a:stretch>
               <a:fillRect/>
             </a:stretch>
@@ -23829,7 +24070,7 @@
           <p:nvPr/>
         </p:nvPicPr>
         <p:blipFill>
-          <a:blip r:embed="rId1" cstate="print"/>
+          <a:blip r:embed="rId2" cstate="print"/>
           <a:stretch>
             <a:fillRect/>
           </a:stretch>
@@ -24060,7 +24301,9 @@
         <p:txBody>
           <a:bodyPr wrap="square" lIns="0" tIns="0" rIns="0" bIns="0" rtlCol="0"/>
           <a:lstStyle/>
-          <a:p/>
+          <a:p>
+            <a:endParaRPr/>
+          </a:p>
         </p:txBody>
       </p:sp>
       <p:sp>
@@ -24479,7 +24722,9 @@
         <p:txBody>
           <a:bodyPr wrap="square" lIns="0" tIns="0" rIns="0" bIns="0" rtlCol="0"/>
           <a:lstStyle/>
-          <a:p/>
+          <a:p>
+            <a:endParaRPr/>
+          </a:p>
         </p:txBody>
       </p:sp>
       <p:grpSp>
@@ -24819,7 +25064,9 @@
           <p:txBody>
             <a:bodyPr wrap="square" lIns="0" tIns="0" rIns="0" bIns="0" rtlCol="0"/>
             <a:lstStyle/>
-            <a:p/>
+            <a:p>
+              <a:endParaRPr/>
+            </a:p>
           </p:txBody>
         </p:sp>
         <p:sp>
@@ -25145,7 +25392,9 @@
           <p:txBody>
             <a:bodyPr wrap="square" lIns="0" tIns="0" rIns="0" bIns="0" rtlCol="0"/>
             <a:lstStyle/>
-            <a:p/>
+            <a:p>
+              <a:endParaRPr/>
+            </a:p>
           </p:txBody>
         </p:sp>
         <p:pic>
@@ -25155,7 +25404,7 @@
             <p:nvPr/>
           </p:nvPicPr>
           <p:blipFill>
-            <a:blip r:embed="rId1" cstate="print"/>
+            <a:blip r:embed="rId2" cstate="print"/>
             <a:stretch>
               <a:fillRect/>
             </a:stretch>
@@ -25215,7 +25464,9 @@
           <p:txBody>
             <a:bodyPr wrap="square" lIns="0" tIns="0" rIns="0" bIns="0" rtlCol="0"/>
             <a:lstStyle/>
-            <a:p/>
+            <a:p>
+              <a:endParaRPr/>
+            </a:p>
           </p:txBody>
         </p:sp>
       </p:grpSp>
@@ -25528,7 +25779,9 @@
         <p:txBody>
           <a:bodyPr wrap="square" lIns="0" tIns="0" rIns="0" bIns="0" rtlCol="0"/>
           <a:lstStyle/>
-          <a:p/>
+          <a:p>
+            <a:endParaRPr/>
+          </a:p>
         </p:txBody>
       </p:sp>
       <p:sp>
@@ -25959,7 +26212,7 @@
             <p:nvPr/>
           </p:nvPicPr>
           <p:blipFill>
-            <a:blip r:embed="rId2" cstate="print"/>
+            <a:blip r:embed="rId3" cstate="print"/>
             <a:stretch>
               <a:fillRect/>
             </a:stretch>
@@ -25981,7 +26234,7 @@
             <p:nvPr/>
           </p:nvPicPr>
           <p:blipFill>
-            <a:blip r:embed="rId3" cstate="print"/>
+            <a:blip r:embed="rId4" cstate="print"/>
             <a:stretch>
               <a:fillRect/>
             </a:stretch>
@@ -26334,7 +26587,9 @@
           <p:txBody>
             <a:bodyPr wrap="square" lIns="0" tIns="0" rIns="0" bIns="0" rtlCol="0"/>
             <a:lstStyle/>
-            <a:p/>
+            <a:p>
+              <a:endParaRPr/>
+            </a:p>
           </p:txBody>
         </p:sp>
         <p:pic>
@@ -26344,7 +26599,7 @@
             <p:nvPr/>
           </p:nvPicPr>
           <p:blipFill>
-            <a:blip r:embed="rId4" cstate="print"/>
+            <a:blip r:embed="rId5" cstate="print"/>
             <a:stretch>
               <a:fillRect/>
             </a:stretch>
@@ -26747,7 +27002,9 @@
           <p:txBody>
             <a:bodyPr wrap="square" lIns="0" tIns="0" rIns="0" bIns="0" rtlCol="0"/>
             <a:lstStyle/>
-            <a:p/>
+            <a:p>
+              <a:endParaRPr/>
+            </a:p>
           </p:txBody>
         </p:sp>
         <p:sp>
@@ -26804,7 +27061,9 @@
           <p:txBody>
             <a:bodyPr wrap="square" lIns="0" tIns="0" rIns="0" bIns="0" rtlCol="0"/>
             <a:lstStyle/>
-            <a:p/>
+            <a:p>
+              <a:endParaRPr/>
+            </a:p>
           </p:txBody>
         </p:sp>
         <p:sp>
@@ -26863,7 +27122,9 @@
           <p:txBody>
             <a:bodyPr wrap="square" lIns="0" tIns="0" rIns="0" bIns="0" rtlCol="0"/>
             <a:lstStyle/>
-            <a:p/>
+            <a:p>
+              <a:endParaRPr/>
+            </a:p>
           </p:txBody>
         </p:sp>
       </p:grpSp>
@@ -26937,9 +27198,11 @@
         <p:spPr/>
         <p:txBody>
           <a:bodyPr/>
+          <a:lstStyle/>
           <a:p>
             <a:fld id="{B6F15528-21DE-4FAA-801E-634DDDAF4B2B}" type="slidenum">
               <a:rPr/>
+              <a:t>30</a:t>
             </a:fld>
             <a:endParaRPr/>
           </a:p>
@@ -26977,7 +27240,7 @@
           <p:nvPr/>
         </p:nvPicPr>
         <p:blipFill>
-          <a:blip r:embed="rId1" cstate="print"/>
+          <a:blip r:embed="rId2" cstate="print"/>
           <a:stretch>
             <a:fillRect/>
           </a:stretch>
@@ -27254,9 +27517,11 @@
         <p:spPr/>
         <p:txBody>
           <a:bodyPr/>
+          <a:lstStyle/>
           <a:p>
             <a:fld id="{B6F15528-21DE-4FAA-801E-634DDDAF4B2B}" type="slidenum">
               <a:rPr/>
+              <a:t>31</a:t>
             </a:fld>
             <a:endParaRPr/>
           </a:p>
@@ -27344,7 +27609,6 @@
               <a:rPr spc="-160" dirty="0"/>
               <a:t>t!</a:t>
             </a:r>
-            <a:endParaRPr spc="-160" dirty="0"/>
           </a:p>
           <a:p>
             <a:pPr algn="ctr">
@@ -27432,9 +27696,11 @@
         <p:spPr/>
         <p:txBody>
           <a:bodyPr/>
+          <a:lstStyle/>
           <a:p>
             <a:fld id="{B6F15528-21DE-4FAA-801E-634DDDAF4B2B}" type="slidenum">
               <a:rPr/>
+              <a:t>32</a:t>
             </a:fld>
             <a:endParaRPr/>
           </a:p>
@@ -27767,14 +28033,7 @@
                 <a:latin typeface="Arial MT"/>
                 <a:cs typeface="Arial MT"/>
               </a:rPr>
-              <a:t>ure  </a:t>
-            </a:r>
-            <a:r>
-              <a:rPr sz="2600" spc="-5" dirty="0">
-                <a:latin typeface="Arial MT"/>
-                <a:cs typeface="Arial MT"/>
-              </a:rPr>
-              <a:t>Abstraction</a:t>
+              <a:t>ure  Abstraction</a:t>
             </a:r>
             <a:endParaRPr sz="2600">
               <a:latin typeface="Arial MT"/>
@@ -27790,7 +28049,7 @@
           <p:nvPr/>
         </p:nvPicPr>
         <p:blipFill>
-          <a:blip r:embed="rId1" cstate="print"/>
+          <a:blip r:embed="rId2" cstate="print"/>
           <a:stretch>
             <a:fillRect/>
           </a:stretch>
@@ -27812,7 +28071,7 @@
           <p:nvPr/>
         </p:nvPicPr>
         <p:blipFill>
-          <a:blip r:embed="rId2" cstate="print"/>
+          <a:blip r:embed="rId3" cstate="print"/>
           <a:stretch>
             <a:fillRect/>
           </a:stretch>
@@ -27834,7 +28093,7 @@
           <p:nvPr/>
         </p:nvPicPr>
         <p:blipFill>
-          <a:blip r:embed="rId3" cstate="print"/>
+          <a:blip r:embed="rId4" cstate="print"/>
           <a:stretch>
             <a:fillRect/>
           </a:stretch>
@@ -27856,7 +28115,7 @@
           <p:nvPr/>
         </p:nvPicPr>
         <p:blipFill>
-          <a:blip r:embed="rId4" cstate="print"/>
+          <a:blip r:embed="rId5" cstate="print"/>
           <a:stretch>
             <a:fillRect/>
           </a:stretch>
@@ -27941,9 +28200,11 @@
         <p:spPr/>
         <p:txBody>
           <a:bodyPr/>
+          <a:lstStyle/>
           <a:p>
             <a:fld id="{B6F15528-21DE-4FAA-801E-634DDDAF4B2B}" type="slidenum">
               <a:rPr/>
+              <a:t>4</a:t>
             </a:fld>
             <a:endParaRPr/>
           </a:p>
@@ -28019,7 +28280,9 @@
         <p:txBody>
           <a:bodyPr wrap="square" lIns="0" tIns="0" rIns="0" bIns="0" rtlCol="0"/>
           <a:lstStyle/>
-          <a:p/>
+          <a:p>
+            <a:endParaRPr/>
+          </a:p>
         </p:txBody>
       </p:sp>
       <p:sp>
@@ -28067,7 +28330,9 @@
         <p:txBody>
           <a:bodyPr wrap="square" lIns="0" tIns="0" rIns="0" bIns="0" rtlCol="0"/>
           <a:lstStyle/>
-          <a:p/>
+          <a:p>
+            <a:endParaRPr/>
+          </a:p>
         </p:txBody>
       </p:sp>
       <p:sp>
@@ -28115,7 +28380,9 @@
         <p:txBody>
           <a:bodyPr wrap="square" lIns="0" tIns="0" rIns="0" bIns="0" rtlCol="0"/>
           <a:lstStyle/>
-          <a:p/>
+          <a:p>
+            <a:endParaRPr/>
+          </a:p>
         </p:txBody>
       </p:sp>
       <p:sp>
@@ -28163,7 +28430,9 @@
         <p:txBody>
           <a:bodyPr wrap="square" lIns="0" tIns="0" rIns="0" bIns="0" rtlCol="0"/>
           <a:lstStyle/>
-          <a:p/>
+          <a:p>
+            <a:endParaRPr/>
+          </a:p>
         </p:txBody>
       </p:sp>
       <p:sp>
@@ -28321,7 +28590,7 @@
           <p:nvPr/>
         </p:nvPicPr>
         <p:blipFill>
-          <a:blip r:embed="rId1" cstate="print"/>
+          <a:blip r:embed="rId2" cstate="print"/>
           <a:stretch>
             <a:fillRect/>
           </a:stretch>
@@ -28442,7 +28711,7 @@
           <p:nvPr/>
         </p:nvPicPr>
         <p:blipFill>
-          <a:blip r:embed="rId2" cstate="print"/>
+          <a:blip r:embed="rId3" cstate="print"/>
           <a:stretch>
             <a:fillRect/>
           </a:stretch>
@@ -28535,7 +28804,7 @@
           <p:nvPr/>
         </p:nvPicPr>
         <p:blipFill>
-          <a:blip r:embed="rId3" cstate="print"/>
+          <a:blip r:embed="rId4" cstate="print"/>
           <a:stretch>
             <a:fillRect/>
           </a:stretch>
@@ -28557,7 +28826,7 @@
           <p:nvPr/>
         </p:nvPicPr>
         <p:blipFill>
-          <a:blip r:embed="rId4" cstate="print"/>
+          <a:blip r:embed="rId5" cstate="print"/>
           <a:stretch>
             <a:fillRect/>
           </a:stretch>
@@ -28656,9 +28925,11 @@
         <p:spPr/>
         <p:txBody>
           <a:bodyPr/>
+          <a:lstStyle/>
           <a:p>
             <a:fld id="{B6F15528-21DE-4FAA-801E-634DDDAF4B2B}" type="slidenum">
               <a:rPr/>
+              <a:t>5</a:t>
             </a:fld>
             <a:endParaRPr/>
           </a:p>
@@ -28917,7 +29188,7 @@
           <p:nvPr/>
         </p:nvPicPr>
         <p:blipFill>
-          <a:blip r:embed="rId1" cstate="print"/>
+          <a:blip r:embed="rId2" cstate="print"/>
           <a:stretch>
             <a:fillRect/>
           </a:stretch>
@@ -28939,7 +29210,7 @@
           <p:nvPr/>
         </p:nvPicPr>
         <p:blipFill>
-          <a:blip r:embed="rId2" cstate="print"/>
+          <a:blip r:embed="rId3" cstate="print"/>
           <a:stretch>
             <a:fillRect/>
           </a:stretch>
@@ -28961,7 +29232,7 @@
           <p:nvPr/>
         </p:nvPicPr>
         <p:blipFill>
-          <a:blip r:embed="rId3" cstate="print"/>
+          <a:blip r:embed="rId4" cstate="print"/>
           <a:stretch>
             <a:fillRect/>
           </a:stretch>
@@ -29060,9 +29331,11 @@
         <p:spPr/>
         <p:txBody>
           <a:bodyPr/>
+          <a:lstStyle/>
           <a:p>
             <a:fld id="{B6F15528-21DE-4FAA-801E-634DDDAF4B2B}" type="slidenum">
               <a:rPr/>
+              <a:t>6</a:t>
             </a:fld>
             <a:endParaRPr/>
           </a:p>
@@ -29130,7 +29403,9 @@
         <p:txBody>
           <a:bodyPr wrap="square" lIns="0" tIns="0" rIns="0" bIns="0" rtlCol="0"/>
           <a:lstStyle/>
-          <a:p/>
+          <a:p>
+            <a:endParaRPr/>
+          </a:p>
         </p:txBody>
       </p:sp>
       <p:sp>
@@ -29142,7 +29417,7 @@
         <p:spPr>
           <a:xfrm>
             <a:off x="6906479" y="2771678"/>
-            <a:ext cx="7489825" cy="4170679"/>
+            <a:ext cx="7489825" cy="4308359"/>
           </a:xfrm>
           <a:prstGeom prst="rect">
             <a:avLst/>
@@ -29183,20 +29458,34 @@
               </a:rPr>
               <a:t>Objects</a:t>
             </a:r>
-            <a:endParaRPr sz="3200">
+            <a:endParaRPr lang="en-US" sz="3200" dirty="0">
               <a:latin typeface="Arial MT"/>
               <a:cs typeface="Arial MT"/>
             </a:endParaRPr>
           </a:p>
           <a:p>
-            <a:pPr marL="12700" marR="5080" indent="228600">
+            <a:pPr marL="12700">
               <a:lnSpc>
                 <a:spcPct val="100000"/>
               </a:lnSpc>
               <a:spcBef>
-                <a:spcPts val="2400"/>
+                <a:spcPts val="95"/>
               </a:spcBef>
             </a:pPr>
+            <a:endParaRPr lang="en-US" sz="3200" spc="-5" dirty="0">
+              <a:latin typeface="Arial MT"/>
+              <a:cs typeface="Arial MT"/>
+            </a:endParaRPr>
+          </a:p>
+          <a:p>
+            <a:pPr marL="12700">
+              <a:lnSpc>
+                <a:spcPct val="100000"/>
+              </a:lnSpc>
+              <a:spcBef>
+                <a:spcPts val="95"/>
+              </a:spcBef>
+            </a:pPr>
             <a:r>
               <a:rPr sz="3200" spc="-5" dirty="0">
                 <a:latin typeface="Arial MT"/>
@@ -29302,7 +29591,7 @@
               </a:rPr>
               <a:t>state</a:t>
             </a:r>
-            <a:endParaRPr sz="3200">
+            <a:endParaRPr sz="3200" dirty="0">
               <a:latin typeface="Arial MT"/>
               <a:cs typeface="Arial MT"/>
             </a:endParaRPr>
@@ -29332,44 +29621,48 @@
                 <a:latin typeface="Arial MT"/>
                 <a:cs typeface="Arial MT"/>
               </a:rPr>
-              <a:t>of state </a:t>
-            </a:r>
-            <a:r>
-              <a:rPr sz="3200" spc="-875" dirty="0">
-                <a:latin typeface="Arial MT"/>
-                <a:cs typeface="Arial MT"/>
-              </a:rPr>
-              <a:t> </a:t>
-            </a:r>
-            <a:r>
-              <a:rPr sz="3200" spc="-5" dirty="0">
-                <a:latin typeface="Arial MT"/>
-                <a:cs typeface="Arial MT"/>
-              </a:rPr>
-              <a:t>Declaratively</a:t>
-            </a:r>
-            <a:endParaRPr sz="3200">
+              <a:t>of state</a:t>
+            </a:r>
+            <a:endParaRPr lang="en-US" sz="3200" spc="-5" dirty="0">
               <a:latin typeface="Arial MT"/>
               <a:cs typeface="Arial MT"/>
             </a:endParaRPr>
           </a:p>
           <a:p>
-            <a:pPr marL="241300">
+            <a:pPr marL="241300" marR="2125980" indent="-229235">
               <a:lnSpc>
-                <a:spcPct val="100000"/>
+                <a:spcPct val="163000"/>
               </a:lnSpc>
-              <a:spcBef>
-                <a:spcPts val="2400"/>
-              </a:spcBef>
             </a:pPr>
             <a:r>
+              <a:rPr sz="3200" spc="-5" dirty="0">
+                <a:latin typeface="Arial MT"/>
+                <a:cs typeface="Arial MT"/>
+              </a:rPr>
+              <a:t>Declarative</a:t>
+            </a:r>
+            <a:r>
+              <a:rPr lang="en-US" sz="3200" spc="-5" dirty="0">
+                <a:latin typeface="Arial MT"/>
+                <a:cs typeface="Arial MT"/>
+              </a:rPr>
+              <a:t>ly</a:t>
+            </a:r>
+          </a:p>
+          <a:p>
+            <a:pPr marL="241300" marR="2125980" indent="-229235">
+              <a:lnSpc>
+                <a:spcPct val="163000"/>
+              </a:lnSpc>
+            </a:pPr>
+            <a:r>
               <a:rPr sz="3200" spc="-10" dirty="0">
                 <a:latin typeface="Arial MT"/>
                 <a:cs typeface="Arial MT"/>
               </a:rPr>
               <a:t>Imperatively</a:t>
             </a:r>
-            <a:endParaRPr sz="3200">
+            <a:endParaRPr sz="3200" dirty="0">
               <a:latin typeface="Arial MT"/>
               <a:cs typeface="Arial MT"/>
             </a:endParaRPr>
@@ -29383,7 +29676,7 @@
           <p:nvPr/>
         </p:nvPicPr>
         <p:blipFill>
-          <a:blip r:embed="rId1" cstate="print"/>
+          <a:blip r:embed="rId2" cstate="print"/>
           <a:stretch>
             <a:fillRect/>
           </a:stretch>
@@ -29472,9 +29765,11 @@
         <p:spPr/>
         <p:txBody>
           <a:bodyPr/>
+          <a:lstStyle/>
           <a:p>
             <a:fld id="{B6F15528-21DE-4FAA-801E-634DDDAF4B2B}" type="slidenum">
               <a:rPr/>
+              <a:t>7</a:t>
             </a:fld>
             <a:endParaRPr/>
           </a:p>
@@ -29542,7 +29837,9 @@
         <p:txBody>
           <a:bodyPr wrap="square" lIns="0" tIns="0" rIns="0" bIns="0" rtlCol="0"/>
           <a:lstStyle/>
-          <a:p/>
+          <a:p>
+            <a:endParaRPr/>
+          </a:p>
         </p:txBody>
       </p:sp>
       <p:sp>
@@ -29938,7 +30235,7 @@
           <p:nvPr/>
         </p:nvPicPr>
         <p:blipFill>
-          <a:blip r:embed="rId1" cstate="print"/>
+          <a:blip r:embed="rId2" cstate="print"/>
           <a:stretch>
             <a:fillRect/>
           </a:stretch>
@@ -30043,9 +30340,11 @@
         <p:spPr/>
         <p:txBody>
           <a:bodyPr/>
+          <a:lstStyle/>
           <a:p>
             <a:fld id="{B6F15528-21DE-4FAA-801E-634DDDAF4B2B}" type="slidenum">
               <a:rPr/>
+              <a:t>8</a:t>
             </a:fld>
             <a:endParaRPr/>
           </a:p>
@@ -30281,7 +30580,7 @@
           <p:nvPr/>
         </p:nvPicPr>
         <p:blipFill>
-          <a:blip r:embed="rId1" cstate="print"/>
+          <a:blip r:embed="rId2" cstate="print"/>
           <a:stretch>
             <a:fillRect/>
           </a:stretch>
@@ -30303,7 +30602,7 @@
           <p:nvPr/>
         </p:nvPicPr>
         <p:blipFill>
-          <a:blip r:embed="rId2" cstate="print"/>
+          <a:blip r:embed="rId3" cstate="print"/>
           <a:stretch>
             <a:fillRect/>
           </a:stretch>
@@ -30325,7 +30624,7 @@
           <p:nvPr/>
         </p:nvPicPr>
         <p:blipFill>
-          <a:blip r:embed="rId3" cstate="print"/>
+          <a:blip r:embed="rId4" cstate="print"/>
           <a:stretch>
             <a:fillRect/>
           </a:stretch>
@@ -30347,7 +30646,7 @@
           <p:nvPr/>
         </p:nvPicPr>
         <p:blipFill>
-          <a:blip r:embed="rId4" cstate="print"/>
+          <a:blip r:embed="rId5" cstate="print"/>
           <a:stretch>
             <a:fillRect/>
           </a:stretch>
@@ -30594,9 +30893,11 @@
         <p:spPr/>
         <p:txBody>
           <a:bodyPr/>
+          <a:lstStyle/>
           <a:p>
             <a:fld id="{B6F15528-21DE-4FAA-801E-634DDDAF4B2B}" type="slidenum">
               <a:rPr/>
+              <a:t>9</a:t>
             </a:fld>
             <a:endParaRPr/>
           </a:p>
@@ -30888,6 +31189,8 @@
       </a:bgFillStyleLst>
     </a:fmtScheme>
   </a:themeElements>
+  <a:objectDefaults/>
+  <a:extraClrSchemeLst/>
   <a:extLst>
     <a:ext uri="{05A4C25C-085E-4340-85A3-A5531E510DB2}">
       <thm15:themeFamily xmlns:thm15="http://schemas.microsoft.com/office/thememl/2012/main" name="Office Theme" id="{62F939B6-93AF-4DB8-9C6B-D6C7DFDC589F}" vid="{4A3C46E8-61CC-4603-A589-7422A47A8E4A}"/>
@@ -31147,6 +31450,8 @@
       </a:bgFillStyleLst>
     </a:fmtScheme>
   </a:themeElements>
+  <a:objectDefaults/>
+  <a:extraClrSchemeLst/>
   <a:extLst>
     <a:ext uri="{05A4C25C-085E-4340-85A3-A5531E510DB2}">
       <thm15:themeFamily xmlns:thm15="http://schemas.microsoft.com/office/thememl/2012/main" name="Office Theme" id="{62F939B6-93AF-4DB8-9C6B-D6C7DFDC589F}" vid="{4A3C46E8-61CC-4603-A589-7422A47A8E4A}"/>
